--- a/mnist/Portfolio.pptx
+++ b/mnist/Portfolio.pptx
@@ -4763,8 +4763,8 @@
   </dgm:ptLst>
   <dgm:cxnLst>
     <dgm:cxn modelId="{DC9A0C36-ACE5-4170-AC23-651823DB6EFA}" srcId="{6EFC89FE-FF8A-4E7F-8AAE-ED230A623FB6}" destId="{7D2A3711-30AD-462D-AAA3-751EFE651616}" srcOrd="0" destOrd="0" parTransId="{76C27A1A-6717-4AD1-9DEC-05D3D9028FDD}" sibTransId="{D7FE2FEE-AA5B-4347-AAD5-BC3FA330F8F0}"/>
+    <dgm:cxn modelId="{746EBDFC-16F9-4B51-9F13-6A9A37D5FCF0}" srcId="{7D2A3711-30AD-462D-AAA3-751EFE651616}" destId="{30BF53A6-FA28-467A-8DA4-4CC39B9FFE13}" srcOrd="2" destOrd="0" parTransId="{1B4EB120-1437-4B1B-B490-89EAF48C32C7}" sibTransId="{23285FE0-6160-49F7-BBFF-BCF3E6EC34E1}"/>
     <dgm:cxn modelId="{6F699B43-48B7-4469-BEFC-0DA4E4A87706}" type="presOf" srcId="{3488BB1E-2AD0-410D-8484-AED0FD4F53C5}" destId="{15E8AA84-AC57-40CA-AE62-16742C61020F}" srcOrd="0" destOrd="1" presId="urn:microsoft.com/office/officeart/2005/8/layout/vList2"/>
-    <dgm:cxn modelId="{746EBDFC-16F9-4B51-9F13-6A9A37D5FCF0}" srcId="{7D2A3711-30AD-462D-AAA3-751EFE651616}" destId="{30BF53A6-FA28-467A-8DA4-4CC39B9FFE13}" srcOrd="2" destOrd="0" parTransId="{1B4EB120-1437-4B1B-B490-89EAF48C32C7}" sibTransId="{23285FE0-6160-49F7-BBFF-BCF3E6EC34E1}"/>
     <dgm:cxn modelId="{C5AB4C4D-E66D-4C35-8CFD-E37C96BD8525}" type="presOf" srcId="{6EFC89FE-FF8A-4E7F-8AAE-ED230A623FB6}" destId="{2A55BBF3-538E-459E-B505-578EB8499F53}" srcOrd="0" destOrd="0" presId="urn:microsoft.com/office/officeart/2005/8/layout/vList2"/>
     <dgm:cxn modelId="{B9F0EB48-ED65-4F07-8F9E-1E639CB8800A}" srcId="{7D2A3711-30AD-462D-AAA3-751EFE651616}" destId="{3488BB1E-2AD0-410D-8484-AED0FD4F53C5}" srcOrd="1" destOrd="0" parTransId="{8183B815-A741-4F5F-850D-9AAD2FDB5A16}" sibTransId="{1CED30C1-58ED-48C7-8196-DB3AE58D1ACC}"/>
     <dgm:cxn modelId="{D7F3DE89-22E3-47BF-A4EB-256757B45530}" type="presOf" srcId="{30BF53A6-FA28-467A-8DA4-4CC39B9FFE13}" destId="{15E8AA84-AC57-40CA-AE62-16742C61020F}" srcOrd="0" destOrd="2" presId="urn:microsoft.com/office/officeart/2005/8/layout/vList2"/>
@@ -4976,8 +4976,8 @@
     <dgm:cxn modelId="{BE914E04-0BFE-4EA8-94B9-009620EEF2F6}" type="presOf" srcId="{8DE28805-C3C2-4966-A019-B9FF979A9B88}" destId="{15E8AA84-AC57-40CA-AE62-16742C61020F}" srcOrd="0" destOrd="0" presId="urn:microsoft.com/office/officeart/2005/8/layout/vList2"/>
     <dgm:cxn modelId="{860052FA-B24B-43FB-8BD8-1C6F575A2982}" srcId="{7D2A3711-30AD-462D-AAA3-751EFE651616}" destId="{8DE28805-C3C2-4966-A019-B9FF979A9B88}" srcOrd="0" destOrd="0" parTransId="{7AB3D7EF-EE3A-488F-8A1D-F60A47C5B517}" sibTransId="{AFA6E202-2296-4A09-91EB-A4537A20CCB7}"/>
     <dgm:cxn modelId="{8150A350-86C4-45E7-B1F4-6FAA109E8F90}" type="presOf" srcId="{7D2A3711-30AD-462D-AAA3-751EFE651616}" destId="{82D0A0E6-3711-436D-B580-07622653EB3C}" srcOrd="0" destOrd="0" presId="urn:microsoft.com/office/officeart/2005/8/layout/vList2"/>
+    <dgm:cxn modelId="{5522BEB9-3695-42B3-BDA3-456A1E85B352}" srcId="{7D2A3711-30AD-462D-AAA3-751EFE651616}" destId="{8BE79018-2E48-48B2-A90F-6E17103827F5}" srcOrd="1" destOrd="0" parTransId="{78DF3913-A559-4EC5-A41E-EF8B415A7B67}" sibTransId="{576B4564-B648-4563-9B74-1C5C80BB4639}"/>
     <dgm:cxn modelId="{F05F6A61-2B4A-439E-AC37-72339C062BEB}" type="presOf" srcId="{8BE79018-2E48-48B2-A90F-6E17103827F5}" destId="{15E8AA84-AC57-40CA-AE62-16742C61020F}" srcOrd="0" destOrd="1" presId="urn:microsoft.com/office/officeart/2005/8/layout/vList2"/>
-    <dgm:cxn modelId="{5522BEB9-3695-42B3-BDA3-456A1E85B352}" srcId="{7D2A3711-30AD-462D-AAA3-751EFE651616}" destId="{8BE79018-2E48-48B2-A90F-6E17103827F5}" srcOrd="1" destOrd="0" parTransId="{78DF3913-A559-4EC5-A41E-EF8B415A7B67}" sibTransId="{576B4564-B648-4563-9B74-1C5C80BB4639}"/>
     <dgm:cxn modelId="{BF2BCC93-BC38-4190-BE2F-61BF69468C12}" type="presParOf" srcId="{2A55BBF3-538E-459E-B505-578EB8499F53}" destId="{82D0A0E6-3711-436D-B580-07622653EB3C}" srcOrd="0" destOrd="0" presId="urn:microsoft.com/office/officeart/2005/8/layout/vList2"/>
     <dgm:cxn modelId="{D2D5CA98-9338-4CCB-8267-8B73414221CF}" type="presParOf" srcId="{2A55BBF3-538E-459E-B505-578EB8499F53}" destId="{15E8AA84-AC57-40CA-AE62-16742C61020F}" srcOrd="1" destOrd="0" presId="urn:microsoft.com/office/officeart/2005/8/layout/vList2"/>
   </dgm:cxnLst>
@@ -5176,8 +5176,8 @@
   <dgm:cxnLst>
     <dgm:cxn modelId="{3AB155C1-F794-4E55-A5AD-5EEFE2591FF6}" type="presOf" srcId="{F8F0039E-4155-45EB-9C76-FA1E44D3CEEF}" destId="{1BAB1C0B-0435-426A-B98B-9D889EB65A3C}" srcOrd="0" destOrd="0" presId="urn:microsoft.com/office/officeart/2005/8/layout/vList2"/>
     <dgm:cxn modelId="{A3CEB209-734C-4A6E-A4C3-62F8F2BBF5D4}" srcId="{F8F0039E-4155-45EB-9C76-FA1E44D3CEEF}" destId="{E5E40DB8-7C8C-44F6-A8DB-66C7D8AD6DEF}" srcOrd="0" destOrd="0" parTransId="{1EA4C851-5B23-4E76-96F1-EF601CC916A2}" sibTransId="{B04E5AEE-06B2-4939-A3CC-F60EF9CA9620}"/>
+    <dgm:cxn modelId="{42C1B723-1180-4A88-A8D7-6D712FE59319}" type="presOf" srcId="{6F284B52-23EA-4B66-9461-B4ACDA8DF2A9}" destId="{2B065292-3E2F-42E7-83BF-ED642329E665}" srcOrd="0" destOrd="1" presId="urn:microsoft.com/office/officeart/2005/8/layout/vList2"/>
     <dgm:cxn modelId="{187CF8C1-DE27-4590-B401-24B6701589A4}" srcId="{F8F0039E-4155-45EB-9C76-FA1E44D3CEEF}" destId="{6F284B52-23EA-4B66-9461-B4ACDA8DF2A9}" srcOrd="1" destOrd="0" parTransId="{D1699E2C-0ACE-4C29-A765-E33F5909790A}" sibTransId="{242DBF87-3AC1-4601-805D-8486F745E5D2}"/>
-    <dgm:cxn modelId="{42C1B723-1180-4A88-A8D7-6D712FE59319}" type="presOf" srcId="{6F284B52-23EA-4B66-9461-B4ACDA8DF2A9}" destId="{2B065292-3E2F-42E7-83BF-ED642329E665}" srcOrd="0" destOrd="1" presId="urn:microsoft.com/office/officeart/2005/8/layout/vList2"/>
     <dgm:cxn modelId="{58958B13-B94C-4D1D-8619-CAD8BD8FFF82}" type="presOf" srcId="{19291C41-7676-4935-9C7F-CB02D2FEEAC9}" destId="{627645C5-E4F6-4F98-9A8A-7F0E1786C4C4}" srcOrd="0" destOrd="0" presId="urn:microsoft.com/office/officeart/2005/8/layout/vList2"/>
     <dgm:cxn modelId="{6CFBBA4F-AEF0-4D12-AFAC-F2F74FCBFEE5}" type="presOf" srcId="{E5E40DB8-7C8C-44F6-A8DB-66C7D8AD6DEF}" destId="{2B065292-3E2F-42E7-83BF-ED642329E665}" srcOrd="0" destOrd="0" presId="urn:microsoft.com/office/officeart/2005/8/layout/vList2"/>
     <dgm:cxn modelId="{709FF1FA-FE74-4942-8A06-3E3CB0834398}" srcId="{19291C41-7676-4935-9C7F-CB02D2FEEAC9}" destId="{F8F0039E-4155-45EB-9C76-FA1E44D3CEEF}" srcOrd="0" destOrd="0" parTransId="{1BD4091A-19B4-48F4-9E99-22F414D99B87}" sibTransId="{738A8925-DCB4-406E-8600-2799EDDF188C}"/>
@@ -19108,12 +19108,20 @@
               <a:t>새로운 </a:t>
             </a:r>
             <a:r>
+              <a:rPr lang="ko-KR" altLang="en-US" sz="2000" dirty="0" smtClean="0"/>
+              <a:t>글씨체의 </a:t>
+            </a:r>
+            <a:r>
               <a:rPr lang="ko-KR" altLang="en-US" sz="2000" dirty="0" err="1" smtClean="0"/>
               <a:t>손글씨</a:t>
             </a:r>
             <a:r>
               <a:rPr lang="ko-KR" altLang="en-US" sz="2000" dirty="0" smtClean="0"/>
-              <a:t> 인식에서 다소 아쉬운 성능을 보입니다</a:t>
+              <a:t> </a:t>
+            </a:r>
+            <a:r>
+              <a:rPr lang="ko-KR" altLang="en-US" sz="2000" dirty="0" smtClean="0"/>
+              <a:t>인식에서 다소 아쉬운 성능을 보입니다</a:t>
             </a:r>
             <a:r>
               <a:rPr lang="en-US" altLang="ko-KR" sz="2000" dirty="0" smtClean="0"/>
@@ -19365,8 +19373,12 @@
           <a:p>
             <a:pPr lvl="0" latinLnBrk="1"/>
             <a:r>
-              <a:rPr lang="ko-KR" altLang="en-US" dirty="0" smtClean="0"/>
-              <a:t>머신 러닝</a:t>
+              <a:rPr lang="ko-KR" altLang="en-US" dirty="0" err="1" smtClean="0"/>
+              <a:t>딥</a:t>
+            </a:r>
+            <a:r>
+              <a:rPr lang="ko-KR" altLang="en-US" dirty="0" err="1" smtClean="0"/>
+              <a:t>러닝</a:t>
             </a:r>
             <a:endParaRPr lang="en-US" altLang="ko-KR" dirty="0" smtClean="0"/>
           </a:p>
@@ -19374,7 +19386,23 @@
             <a:pPr lvl="0" latinLnBrk="1"/>
             <a:r>
               <a:rPr lang="ko-KR" altLang="en-US" dirty="0" smtClean="0"/>
-              <a:t>생존율 예측 프로그램</a:t>
+              <a:t>숫자 </a:t>
+            </a:r>
+            <a:r>
+              <a:rPr lang="ko-KR" altLang="en-US" dirty="0" err="1" smtClean="0"/>
+              <a:t>손글씨</a:t>
+            </a:r>
+            <a:r>
+              <a:rPr lang="ko-KR" altLang="en-US" dirty="0" smtClean="0"/>
+              <a:t> 인식</a:t>
+            </a:r>
+            <a:r>
+              <a:rPr lang="ko-KR" altLang="en-US" dirty="0" smtClean="0"/>
+              <a:t> </a:t>
+            </a:r>
+            <a:r>
+              <a:rPr lang="ko-KR" altLang="en-US" dirty="0" smtClean="0"/>
+              <a:t>프로그램</a:t>
             </a:r>
             <a:endParaRPr lang="en-US" altLang="ko-KR" dirty="0" smtClean="0"/>
           </a:p>

--- a/mnist/Portfolio.pptx
+++ b/mnist/Portfolio.pptx
@@ -18071,7 +18071,11 @@
             </a:r>
             <a:r>
               <a:rPr lang="ko-KR" altLang="en-US" sz="2000" dirty="0" smtClean="0"/>
-              <a:t>번 시험 데이터 출력</a:t>
+              <a:t>번째 시험 </a:t>
+            </a:r>
+            <a:r>
+              <a:rPr lang="ko-KR" altLang="en-US" sz="2000" dirty="0" smtClean="0"/>
+              <a:t>데이터 출력</a:t>
             </a:r>
             <a:endParaRPr lang="en-US" altLang="ko-KR" sz="2000" dirty="0" smtClean="0"/>
           </a:p>
@@ -19105,15 +19109,11 @@
             </a:r>
             <a:r>
               <a:rPr lang="ko-KR" altLang="en-US" sz="2000" dirty="0" smtClean="0"/>
-              <a:t>새로운 </a:t>
+              <a:t>새로운 글씨체의 </a:t>
             </a:r>
             <a:r>
               <a:rPr lang="ko-KR" altLang="en-US" sz="2000" dirty="0" smtClean="0"/>
-              <a:t>글씨체의 </a:t>
-            </a:r>
-            <a:r>
-              <a:rPr lang="ko-KR" altLang="en-US" sz="2000" dirty="0" err="1" smtClean="0"/>
-              <a:t>손글씨</a:t>
+              <a:t>숫자</a:t>
             </a:r>
             <a:r>
               <a:rPr lang="ko-KR" altLang="en-US" sz="2000" dirty="0" smtClean="0"/>
@@ -19374,11 +19374,7 @@
             <a:pPr lvl="0" latinLnBrk="1"/>
             <a:r>
               <a:rPr lang="ko-KR" altLang="en-US" dirty="0" err="1" smtClean="0"/>
-              <a:t>딥</a:t>
-            </a:r>
-            <a:r>
-              <a:rPr lang="ko-KR" altLang="en-US" dirty="0" err="1" smtClean="0"/>
-              <a:t>러닝</a:t>
+              <a:t>딥러닝</a:t>
             </a:r>
             <a:endParaRPr lang="en-US" altLang="ko-KR" dirty="0" smtClean="0"/>
           </a:p>
@@ -19394,15 +19390,7 @@
             </a:r>
             <a:r>
               <a:rPr lang="ko-KR" altLang="en-US" dirty="0" smtClean="0"/>
-              <a:t> 인식</a:t>
-            </a:r>
-            <a:r>
-              <a:rPr lang="ko-KR" altLang="en-US" dirty="0" smtClean="0"/>
-              <a:t> </a:t>
-            </a:r>
-            <a:r>
-              <a:rPr lang="ko-KR" altLang="en-US" dirty="0" smtClean="0"/>
-              <a:t>프로그램</a:t>
+              <a:t> 인식 프로그램</a:t>
             </a:r>
             <a:endParaRPr lang="en-US" altLang="ko-KR" dirty="0" smtClean="0"/>
           </a:p>
@@ -19413,10 +19401,6 @@
               <a:t>결론</a:t>
             </a:r>
             <a:endParaRPr lang="en-US" altLang="ko-KR" dirty="0" smtClean="0"/>
-          </a:p>
-          <a:p>
-            <a:pPr lvl="0" latinLnBrk="1"/>
-            <a:endParaRPr lang="ko-KR" altLang="en-US" dirty="0"/>
           </a:p>
         </p:txBody>
       </p:sp>
@@ -19663,7 +19647,7 @@
               </a:rPr>
               <a:t>github.com/Jeong-Seongwon/mygit/tree/main/mnist</a:t>
             </a:r>
-            <a:endParaRPr lang="en-US" altLang="ko-KR" sz="1600" dirty="0" smtClean="0"/>
+            <a:endParaRPr lang="en-US" altLang="ko-KR" sz="1600" dirty="0"/>
           </a:p>
           <a:p>
             <a:pPr marL="0" indent="0" algn="r">
@@ -19831,8 +19815,8 @@
         </p:nvSpPr>
         <p:spPr>
           <a:xfrm>
-            <a:off x="1522876" y="2204864"/>
-            <a:ext cx="9143538" cy="3397601"/>
+            <a:off x="1522876" y="2204865"/>
+            <a:ext cx="9143538" cy="2304256"/>
           </a:xfrm>
         </p:spPr>
         <p:txBody>
@@ -20618,15 +20602,7 @@
             </a:r>
             <a:r>
               <a:rPr lang="ko-KR" altLang="en-US" sz="2000" dirty="0" smtClean="0"/>
-              <a:t>사이로 만들기 위해 </a:t>
-            </a:r>
-            <a:r>
-              <a:rPr lang="en-US" altLang="ko-KR" sz="2000" dirty="0" smtClean="0"/>
-              <a:t>255</a:t>
-            </a:r>
-            <a:r>
-              <a:rPr lang="ko-KR" altLang="en-US" sz="2000" dirty="0" smtClean="0"/>
-              <a:t>로 나눔</a:t>
+              <a:t>사이로 정규화</a:t>
             </a:r>
             <a:endParaRPr lang="en-US" altLang="ko-KR" sz="2000" dirty="0" smtClean="0"/>
           </a:p>

--- a/mnist/Portfolio.pptx
+++ b/mnist/Portfolio.pptx
@@ -4763,8 +4763,8 @@
   </dgm:ptLst>
   <dgm:cxnLst>
     <dgm:cxn modelId="{DC9A0C36-ACE5-4170-AC23-651823DB6EFA}" srcId="{6EFC89FE-FF8A-4E7F-8AAE-ED230A623FB6}" destId="{7D2A3711-30AD-462D-AAA3-751EFE651616}" srcOrd="0" destOrd="0" parTransId="{76C27A1A-6717-4AD1-9DEC-05D3D9028FDD}" sibTransId="{D7FE2FEE-AA5B-4347-AAD5-BC3FA330F8F0}"/>
+    <dgm:cxn modelId="{6F699B43-48B7-4469-BEFC-0DA4E4A87706}" type="presOf" srcId="{3488BB1E-2AD0-410D-8484-AED0FD4F53C5}" destId="{15E8AA84-AC57-40CA-AE62-16742C61020F}" srcOrd="0" destOrd="1" presId="urn:microsoft.com/office/officeart/2005/8/layout/vList2"/>
     <dgm:cxn modelId="{746EBDFC-16F9-4B51-9F13-6A9A37D5FCF0}" srcId="{7D2A3711-30AD-462D-AAA3-751EFE651616}" destId="{30BF53A6-FA28-467A-8DA4-4CC39B9FFE13}" srcOrd="2" destOrd="0" parTransId="{1B4EB120-1437-4B1B-B490-89EAF48C32C7}" sibTransId="{23285FE0-6160-49F7-BBFF-BCF3E6EC34E1}"/>
-    <dgm:cxn modelId="{6F699B43-48B7-4469-BEFC-0DA4E4A87706}" type="presOf" srcId="{3488BB1E-2AD0-410D-8484-AED0FD4F53C5}" destId="{15E8AA84-AC57-40CA-AE62-16742C61020F}" srcOrd="0" destOrd="1" presId="urn:microsoft.com/office/officeart/2005/8/layout/vList2"/>
     <dgm:cxn modelId="{C5AB4C4D-E66D-4C35-8CFD-E37C96BD8525}" type="presOf" srcId="{6EFC89FE-FF8A-4E7F-8AAE-ED230A623FB6}" destId="{2A55BBF3-538E-459E-B505-578EB8499F53}" srcOrd="0" destOrd="0" presId="urn:microsoft.com/office/officeart/2005/8/layout/vList2"/>
     <dgm:cxn modelId="{B9F0EB48-ED65-4F07-8F9E-1E639CB8800A}" srcId="{7D2A3711-30AD-462D-AAA3-751EFE651616}" destId="{3488BB1E-2AD0-410D-8484-AED0FD4F53C5}" srcOrd="1" destOrd="0" parTransId="{8183B815-A741-4F5F-850D-9AAD2FDB5A16}" sibTransId="{1CED30C1-58ED-48C7-8196-DB3AE58D1ACC}"/>
     <dgm:cxn modelId="{D7F3DE89-22E3-47BF-A4EB-256757B45530}" type="presOf" srcId="{30BF53A6-FA28-467A-8DA4-4CC39B9FFE13}" destId="{15E8AA84-AC57-40CA-AE62-16742C61020F}" srcOrd="0" destOrd="2" presId="urn:microsoft.com/office/officeart/2005/8/layout/vList2"/>
@@ -4976,8 +4976,8 @@
     <dgm:cxn modelId="{BE914E04-0BFE-4EA8-94B9-009620EEF2F6}" type="presOf" srcId="{8DE28805-C3C2-4966-A019-B9FF979A9B88}" destId="{15E8AA84-AC57-40CA-AE62-16742C61020F}" srcOrd="0" destOrd="0" presId="urn:microsoft.com/office/officeart/2005/8/layout/vList2"/>
     <dgm:cxn modelId="{860052FA-B24B-43FB-8BD8-1C6F575A2982}" srcId="{7D2A3711-30AD-462D-AAA3-751EFE651616}" destId="{8DE28805-C3C2-4966-A019-B9FF979A9B88}" srcOrd="0" destOrd="0" parTransId="{7AB3D7EF-EE3A-488F-8A1D-F60A47C5B517}" sibTransId="{AFA6E202-2296-4A09-91EB-A4537A20CCB7}"/>
     <dgm:cxn modelId="{8150A350-86C4-45E7-B1F4-6FAA109E8F90}" type="presOf" srcId="{7D2A3711-30AD-462D-AAA3-751EFE651616}" destId="{82D0A0E6-3711-436D-B580-07622653EB3C}" srcOrd="0" destOrd="0" presId="urn:microsoft.com/office/officeart/2005/8/layout/vList2"/>
+    <dgm:cxn modelId="{F05F6A61-2B4A-439E-AC37-72339C062BEB}" type="presOf" srcId="{8BE79018-2E48-48B2-A90F-6E17103827F5}" destId="{15E8AA84-AC57-40CA-AE62-16742C61020F}" srcOrd="0" destOrd="1" presId="urn:microsoft.com/office/officeart/2005/8/layout/vList2"/>
     <dgm:cxn modelId="{5522BEB9-3695-42B3-BDA3-456A1E85B352}" srcId="{7D2A3711-30AD-462D-AAA3-751EFE651616}" destId="{8BE79018-2E48-48B2-A90F-6E17103827F5}" srcOrd="1" destOrd="0" parTransId="{78DF3913-A559-4EC5-A41E-EF8B415A7B67}" sibTransId="{576B4564-B648-4563-9B74-1C5C80BB4639}"/>
-    <dgm:cxn modelId="{F05F6A61-2B4A-439E-AC37-72339C062BEB}" type="presOf" srcId="{8BE79018-2E48-48B2-A90F-6E17103827F5}" destId="{15E8AA84-AC57-40CA-AE62-16742C61020F}" srcOrd="0" destOrd="1" presId="urn:microsoft.com/office/officeart/2005/8/layout/vList2"/>
     <dgm:cxn modelId="{BF2BCC93-BC38-4190-BE2F-61BF69468C12}" type="presParOf" srcId="{2A55BBF3-538E-459E-B505-578EB8499F53}" destId="{82D0A0E6-3711-436D-B580-07622653EB3C}" srcOrd="0" destOrd="0" presId="urn:microsoft.com/office/officeart/2005/8/layout/vList2"/>
     <dgm:cxn modelId="{D2D5CA98-9338-4CCB-8267-8B73414221CF}" type="presParOf" srcId="{2A55BBF3-538E-459E-B505-578EB8499F53}" destId="{15E8AA84-AC57-40CA-AE62-16742C61020F}" srcOrd="1" destOrd="0" presId="urn:microsoft.com/office/officeart/2005/8/layout/vList2"/>
   </dgm:cxnLst>
@@ -5176,8 +5176,8 @@
   <dgm:cxnLst>
     <dgm:cxn modelId="{3AB155C1-F794-4E55-A5AD-5EEFE2591FF6}" type="presOf" srcId="{F8F0039E-4155-45EB-9C76-FA1E44D3CEEF}" destId="{1BAB1C0B-0435-426A-B98B-9D889EB65A3C}" srcOrd="0" destOrd="0" presId="urn:microsoft.com/office/officeart/2005/8/layout/vList2"/>
     <dgm:cxn modelId="{A3CEB209-734C-4A6E-A4C3-62F8F2BBF5D4}" srcId="{F8F0039E-4155-45EB-9C76-FA1E44D3CEEF}" destId="{E5E40DB8-7C8C-44F6-A8DB-66C7D8AD6DEF}" srcOrd="0" destOrd="0" parTransId="{1EA4C851-5B23-4E76-96F1-EF601CC916A2}" sibTransId="{B04E5AEE-06B2-4939-A3CC-F60EF9CA9620}"/>
+    <dgm:cxn modelId="{187CF8C1-DE27-4590-B401-24B6701589A4}" srcId="{F8F0039E-4155-45EB-9C76-FA1E44D3CEEF}" destId="{6F284B52-23EA-4B66-9461-B4ACDA8DF2A9}" srcOrd="1" destOrd="0" parTransId="{D1699E2C-0ACE-4C29-A765-E33F5909790A}" sibTransId="{242DBF87-3AC1-4601-805D-8486F745E5D2}"/>
     <dgm:cxn modelId="{42C1B723-1180-4A88-A8D7-6D712FE59319}" type="presOf" srcId="{6F284B52-23EA-4B66-9461-B4ACDA8DF2A9}" destId="{2B065292-3E2F-42E7-83BF-ED642329E665}" srcOrd="0" destOrd="1" presId="urn:microsoft.com/office/officeart/2005/8/layout/vList2"/>
-    <dgm:cxn modelId="{187CF8C1-DE27-4590-B401-24B6701589A4}" srcId="{F8F0039E-4155-45EB-9C76-FA1E44D3CEEF}" destId="{6F284B52-23EA-4B66-9461-B4ACDA8DF2A9}" srcOrd="1" destOrd="0" parTransId="{D1699E2C-0ACE-4C29-A765-E33F5909790A}" sibTransId="{242DBF87-3AC1-4601-805D-8486F745E5D2}"/>
     <dgm:cxn modelId="{58958B13-B94C-4D1D-8619-CAD8BD8FFF82}" type="presOf" srcId="{19291C41-7676-4935-9C7F-CB02D2FEEAC9}" destId="{627645C5-E4F6-4F98-9A8A-7F0E1786C4C4}" srcOrd="0" destOrd="0" presId="urn:microsoft.com/office/officeart/2005/8/layout/vList2"/>
     <dgm:cxn modelId="{6CFBBA4F-AEF0-4D12-AFAC-F2F74FCBFEE5}" type="presOf" srcId="{E5E40DB8-7C8C-44F6-A8DB-66C7D8AD6DEF}" destId="{2B065292-3E2F-42E7-83BF-ED642329E665}" srcOrd="0" destOrd="0" presId="urn:microsoft.com/office/officeart/2005/8/layout/vList2"/>
     <dgm:cxn modelId="{709FF1FA-FE74-4942-8A06-3E3CB0834398}" srcId="{19291C41-7676-4935-9C7F-CB02D2FEEAC9}" destId="{F8F0039E-4155-45EB-9C76-FA1E44D3CEEF}" srcOrd="0" destOrd="0" parTransId="{1BD4091A-19B4-48F4-9E99-22F414D99B87}" sibTransId="{738A8925-DCB4-406E-8600-2799EDDF188C}"/>
@@ -18071,11 +18071,7 @@
             </a:r>
             <a:r>
               <a:rPr lang="ko-KR" altLang="en-US" sz="2000" dirty="0" smtClean="0"/>
-              <a:t>번째 시험 </a:t>
-            </a:r>
-            <a:r>
-              <a:rPr lang="ko-KR" altLang="en-US" sz="2000" dirty="0" smtClean="0"/>
-              <a:t>데이터 출력</a:t>
+              <a:t>번째 시험 데이터 출력</a:t>
             </a:r>
             <a:endParaRPr lang="en-US" altLang="ko-KR" sz="2000" dirty="0" smtClean="0"/>
           </a:p>
@@ -18472,7 +18468,19 @@
               <a:rPr lang="en-US" altLang="ko-KR" sz="1600" dirty="0" smtClean="0">
                 <a:hlinkClick r:id="rId4"/>
               </a:rPr>
-              <a:t>github.com/Jeong-Seongwon/mygit/tree/main/mnist</a:t>
+              <a:t>github.com/Jeong-Seongwon/</a:t>
+            </a:r>
+            <a:r>
+              <a:rPr lang="en-US" altLang="ko-KR" sz="1600" dirty="0">
+                <a:hlinkClick r:id="rId5"/>
+              </a:rPr>
+              <a:t>portfolio</a:t>
+            </a:r>
+            <a:r>
+              <a:rPr lang="en-US" altLang="ko-KR" sz="1600" dirty="0" smtClean="0">
+                <a:hlinkClick r:id="rId4"/>
+              </a:rPr>
+              <a:t>/tree/main/mnist</a:t>
             </a:r>
             <a:endParaRPr lang="en-US" altLang="ko-KR" sz="1600" dirty="0" smtClean="0"/>
           </a:p>
@@ -18968,7 +18976,19 @@
               <a:rPr lang="en-US" altLang="ko-KR" sz="1600" dirty="0" smtClean="0">
                 <a:hlinkClick r:id="rId6"/>
               </a:rPr>
-              <a:t>github.com/Jeong-Seongwon/mygit/tree/main/mnist</a:t>
+              <a:t>github.com/Jeong-Seongwon/</a:t>
+            </a:r>
+            <a:r>
+              <a:rPr lang="en-US" altLang="ko-KR" sz="1600" dirty="0">
+                <a:hlinkClick r:id="rId7"/>
+              </a:rPr>
+              <a:t>portfolio</a:t>
+            </a:r>
+            <a:r>
+              <a:rPr lang="en-US" altLang="ko-KR" sz="1600" dirty="0" smtClean="0">
+                <a:hlinkClick r:id="rId6"/>
+              </a:rPr>
+              <a:t>/tree/main/mnist</a:t>
             </a:r>
             <a:endParaRPr lang="en-US" altLang="ko-KR" sz="1600" dirty="0" smtClean="0"/>
           </a:p>
@@ -19109,19 +19129,7 @@
             </a:r>
             <a:r>
               <a:rPr lang="ko-KR" altLang="en-US" sz="2000" dirty="0" smtClean="0"/>
-              <a:t>새로운 글씨체의 </a:t>
-            </a:r>
-            <a:r>
-              <a:rPr lang="ko-KR" altLang="en-US" sz="2000" dirty="0" smtClean="0"/>
-              <a:t>숫자</a:t>
-            </a:r>
-            <a:r>
-              <a:rPr lang="ko-KR" altLang="en-US" sz="2000" dirty="0" smtClean="0"/>
-              <a:t> </a:t>
-            </a:r>
-            <a:r>
-              <a:rPr lang="ko-KR" altLang="en-US" sz="2000" dirty="0" smtClean="0"/>
-              <a:t>인식에서 다소 아쉬운 성능을 보입니다</a:t>
+              <a:t>새로운 글씨체의 숫자 인식에서 다소 아쉬운 성능을 보입니다</a:t>
             </a:r>
             <a:r>
               <a:rPr lang="en-US" altLang="ko-KR" sz="2000" dirty="0" smtClean="0"/>
@@ -19645,7 +19653,13 @@
               <a:rPr lang="en-US" altLang="ko-KR" sz="1600" dirty="0" smtClean="0">
                 <a:hlinkClick r:id="rId3"/>
               </a:rPr>
-              <a:t>github.com/Jeong-Seongwon/mygit/tree/main/mnist</a:t>
+              <a:t>github.com/Jeong-Seongwon</a:t>
+            </a:r>
+            <a:r>
+              <a:rPr lang="en-US" altLang="ko-KR" sz="1600" dirty="0" smtClean="0">
+                <a:hlinkClick r:id="rId3"/>
+              </a:rPr>
+              <a:t>/portfolio/tree/main/mnist</a:t>
             </a:r>
             <a:endParaRPr lang="en-US" altLang="ko-KR" sz="1600" dirty="0"/>
           </a:p>

--- a/mnist/Portfolio.pptx
+++ b/mnist/Portfolio.pptx
@@ -5,10 +5,10 @@
     <p:sldMasterId id="2147483924" r:id="rId1"/>
   </p:sldMasterIdLst>
   <p:notesMasterIdLst>
-    <p:notesMasterId r:id="rId20"/>
+    <p:notesMasterId r:id="rId21"/>
   </p:notesMasterIdLst>
   <p:handoutMasterIdLst>
-    <p:handoutMasterId r:id="rId21"/>
+    <p:handoutMasterId r:id="rId22"/>
   </p:handoutMasterIdLst>
   <p:sldIdLst>
     <p:sldId id="268" r:id="rId2"/>
@@ -24,11 +24,12 @@
     <p:sldId id="277" r:id="rId12"/>
     <p:sldId id="289" r:id="rId13"/>
     <p:sldId id="278" r:id="rId14"/>
-    <p:sldId id="283" r:id="rId15"/>
-    <p:sldId id="288" r:id="rId16"/>
-    <p:sldId id="286" r:id="rId17"/>
-    <p:sldId id="290" r:id="rId18"/>
-    <p:sldId id="287" r:id="rId19"/>
+    <p:sldId id="291" r:id="rId15"/>
+    <p:sldId id="283" r:id="rId16"/>
+    <p:sldId id="288" r:id="rId17"/>
+    <p:sldId id="286" r:id="rId18"/>
+    <p:sldId id="290" r:id="rId19"/>
+    <p:sldId id="287" r:id="rId20"/>
   </p:sldIdLst>
   <p:sldSz cx="12188825" cy="6858000"/>
   <p:notesSz cx="6858000" cy="9144000"/>
@@ -4763,8 +4764,8 @@
   </dgm:ptLst>
   <dgm:cxnLst>
     <dgm:cxn modelId="{DC9A0C36-ACE5-4170-AC23-651823DB6EFA}" srcId="{6EFC89FE-FF8A-4E7F-8AAE-ED230A623FB6}" destId="{7D2A3711-30AD-462D-AAA3-751EFE651616}" srcOrd="0" destOrd="0" parTransId="{76C27A1A-6717-4AD1-9DEC-05D3D9028FDD}" sibTransId="{D7FE2FEE-AA5B-4347-AAD5-BC3FA330F8F0}"/>
+    <dgm:cxn modelId="{746EBDFC-16F9-4B51-9F13-6A9A37D5FCF0}" srcId="{7D2A3711-30AD-462D-AAA3-751EFE651616}" destId="{30BF53A6-FA28-467A-8DA4-4CC39B9FFE13}" srcOrd="2" destOrd="0" parTransId="{1B4EB120-1437-4B1B-B490-89EAF48C32C7}" sibTransId="{23285FE0-6160-49F7-BBFF-BCF3E6EC34E1}"/>
     <dgm:cxn modelId="{6F699B43-48B7-4469-BEFC-0DA4E4A87706}" type="presOf" srcId="{3488BB1E-2AD0-410D-8484-AED0FD4F53C5}" destId="{15E8AA84-AC57-40CA-AE62-16742C61020F}" srcOrd="0" destOrd="1" presId="urn:microsoft.com/office/officeart/2005/8/layout/vList2"/>
-    <dgm:cxn modelId="{746EBDFC-16F9-4B51-9F13-6A9A37D5FCF0}" srcId="{7D2A3711-30AD-462D-AAA3-751EFE651616}" destId="{30BF53A6-FA28-467A-8DA4-4CC39B9FFE13}" srcOrd="2" destOrd="0" parTransId="{1B4EB120-1437-4B1B-B490-89EAF48C32C7}" sibTransId="{23285FE0-6160-49F7-BBFF-BCF3E6EC34E1}"/>
     <dgm:cxn modelId="{C5AB4C4D-E66D-4C35-8CFD-E37C96BD8525}" type="presOf" srcId="{6EFC89FE-FF8A-4E7F-8AAE-ED230A623FB6}" destId="{2A55BBF3-538E-459E-B505-578EB8499F53}" srcOrd="0" destOrd="0" presId="urn:microsoft.com/office/officeart/2005/8/layout/vList2"/>
     <dgm:cxn modelId="{B9F0EB48-ED65-4F07-8F9E-1E639CB8800A}" srcId="{7D2A3711-30AD-462D-AAA3-751EFE651616}" destId="{3488BB1E-2AD0-410D-8484-AED0FD4F53C5}" srcOrd="1" destOrd="0" parTransId="{8183B815-A741-4F5F-850D-9AAD2FDB5A16}" sibTransId="{1CED30C1-58ED-48C7-8196-DB3AE58D1ACC}"/>
     <dgm:cxn modelId="{D7F3DE89-22E3-47BF-A4EB-256757B45530}" type="presOf" srcId="{30BF53A6-FA28-467A-8DA4-4CC39B9FFE13}" destId="{15E8AA84-AC57-40CA-AE62-16742C61020F}" srcOrd="0" destOrd="2" presId="urn:microsoft.com/office/officeart/2005/8/layout/vList2"/>
@@ -4919,6 +4920,46 @@
         </a:p>
       </dgm:t>
     </dgm:pt>
+    <dgm:pt modelId="{6A6672BE-482F-43E3-A9EB-63110D35B7C2}">
+      <dgm:prSet phldrT="[텍스트]"/>
+      <dgm:spPr/>
+      <dgm:t>
+        <a:bodyPr/>
+        <a:lstStyle/>
+        <a:p>
+          <a:pPr latinLnBrk="1"/>
+          <a:r>
+            <a:rPr lang="ko-KR" altLang="en-US" dirty="0" smtClean="0"/>
+            <a:t>학습 실패한 데이터 분석</a:t>
+          </a:r>
+          <a:endParaRPr lang="ko-KR" altLang="en-US" dirty="0"/>
+        </a:p>
+      </dgm:t>
+    </dgm:pt>
+    <dgm:pt modelId="{3C8693A8-D84C-4C28-BCFE-793CF653B0ED}" type="parTrans" cxnId="{F4689F47-5732-48F0-BAC8-1D47991A6808}">
+      <dgm:prSet/>
+      <dgm:spPr/>
+      <dgm:t>
+        <a:bodyPr/>
+        <a:lstStyle/>
+        <a:p>
+          <a:pPr latinLnBrk="1"/>
+          <a:endParaRPr lang="ko-KR" altLang="en-US"/>
+        </a:p>
+      </dgm:t>
+    </dgm:pt>
+    <dgm:pt modelId="{A91312F7-839F-43C3-B9BE-08FC1433A35F}" type="sibTrans" cxnId="{F4689F47-5732-48F0-BAC8-1D47991A6808}">
+      <dgm:prSet/>
+      <dgm:spPr/>
+      <dgm:t>
+        <a:bodyPr/>
+        <a:lstStyle/>
+        <a:p>
+          <a:pPr latinLnBrk="1"/>
+          <a:endParaRPr lang="ko-KR" altLang="en-US"/>
+        </a:p>
+      </dgm:t>
+    </dgm:pt>
     <dgm:pt modelId="{2A55BBF3-538E-459E-B505-578EB8499F53}" type="pres">
       <dgm:prSet presAssocID="{6EFC89FE-FF8A-4E7F-8AAE-ED230A623FB6}" presName="linear" presStyleCnt="0">
         <dgm:presLayoutVars>
@@ -4973,11 +5014,13 @@
   <dgm:cxnLst>
     <dgm:cxn modelId="{DC9A0C36-ACE5-4170-AC23-651823DB6EFA}" srcId="{6EFC89FE-FF8A-4E7F-8AAE-ED230A623FB6}" destId="{7D2A3711-30AD-462D-AAA3-751EFE651616}" srcOrd="0" destOrd="0" parTransId="{76C27A1A-6717-4AD1-9DEC-05D3D9028FDD}" sibTransId="{D7FE2FEE-AA5B-4347-AAD5-BC3FA330F8F0}"/>
     <dgm:cxn modelId="{C5AB4C4D-E66D-4C35-8CFD-E37C96BD8525}" type="presOf" srcId="{6EFC89FE-FF8A-4E7F-8AAE-ED230A623FB6}" destId="{2A55BBF3-538E-459E-B505-578EB8499F53}" srcOrd="0" destOrd="0" presId="urn:microsoft.com/office/officeart/2005/8/layout/vList2"/>
+    <dgm:cxn modelId="{F4689F47-5732-48F0-BAC8-1D47991A6808}" srcId="{7D2A3711-30AD-462D-AAA3-751EFE651616}" destId="{6A6672BE-482F-43E3-A9EB-63110D35B7C2}" srcOrd="2" destOrd="0" parTransId="{3C8693A8-D84C-4C28-BCFE-793CF653B0ED}" sibTransId="{A91312F7-839F-43C3-B9BE-08FC1433A35F}"/>
+    <dgm:cxn modelId="{178C5FE0-F760-49B1-A4D0-2F2AB250B96A}" type="presOf" srcId="{6A6672BE-482F-43E3-A9EB-63110D35B7C2}" destId="{15E8AA84-AC57-40CA-AE62-16742C61020F}" srcOrd="0" destOrd="2" presId="urn:microsoft.com/office/officeart/2005/8/layout/vList2"/>
     <dgm:cxn modelId="{BE914E04-0BFE-4EA8-94B9-009620EEF2F6}" type="presOf" srcId="{8DE28805-C3C2-4966-A019-B9FF979A9B88}" destId="{15E8AA84-AC57-40CA-AE62-16742C61020F}" srcOrd="0" destOrd="0" presId="urn:microsoft.com/office/officeart/2005/8/layout/vList2"/>
     <dgm:cxn modelId="{860052FA-B24B-43FB-8BD8-1C6F575A2982}" srcId="{7D2A3711-30AD-462D-AAA3-751EFE651616}" destId="{8DE28805-C3C2-4966-A019-B9FF979A9B88}" srcOrd="0" destOrd="0" parTransId="{7AB3D7EF-EE3A-488F-8A1D-F60A47C5B517}" sibTransId="{AFA6E202-2296-4A09-91EB-A4537A20CCB7}"/>
     <dgm:cxn modelId="{8150A350-86C4-45E7-B1F4-6FAA109E8F90}" type="presOf" srcId="{7D2A3711-30AD-462D-AAA3-751EFE651616}" destId="{82D0A0E6-3711-436D-B580-07622653EB3C}" srcOrd="0" destOrd="0" presId="urn:microsoft.com/office/officeart/2005/8/layout/vList2"/>
+    <dgm:cxn modelId="{5522BEB9-3695-42B3-BDA3-456A1E85B352}" srcId="{7D2A3711-30AD-462D-AAA3-751EFE651616}" destId="{8BE79018-2E48-48B2-A90F-6E17103827F5}" srcOrd="1" destOrd="0" parTransId="{78DF3913-A559-4EC5-A41E-EF8B415A7B67}" sibTransId="{576B4564-B648-4563-9B74-1C5C80BB4639}"/>
     <dgm:cxn modelId="{F05F6A61-2B4A-439E-AC37-72339C062BEB}" type="presOf" srcId="{8BE79018-2E48-48B2-A90F-6E17103827F5}" destId="{15E8AA84-AC57-40CA-AE62-16742C61020F}" srcOrd="0" destOrd="1" presId="urn:microsoft.com/office/officeart/2005/8/layout/vList2"/>
-    <dgm:cxn modelId="{5522BEB9-3695-42B3-BDA3-456A1E85B352}" srcId="{7D2A3711-30AD-462D-AAA3-751EFE651616}" destId="{8BE79018-2E48-48B2-A90F-6E17103827F5}" srcOrd="1" destOrd="0" parTransId="{78DF3913-A559-4EC5-A41E-EF8B415A7B67}" sibTransId="{576B4564-B648-4563-9B74-1C5C80BB4639}"/>
     <dgm:cxn modelId="{BF2BCC93-BC38-4190-BE2F-61BF69468C12}" type="presParOf" srcId="{2A55BBF3-538E-459E-B505-578EB8499F53}" destId="{82D0A0E6-3711-436D-B580-07622653EB3C}" srcOrd="0" destOrd="0" presId="urn:microsoft.com/office/officeart/2005/8/layout/vList2"/>
     <dgm:cxn modelId="{D2D5CA98-9338-4CCB-8267-8B73414221CF}" type="presParOf" srcId="{2A55BBF3-538E-459E-B505-578EB8499F53}" destId="{15E8AA84-AC57-40CA-AE62-16742C61020F}" srcOrd="1" destOrd="0" presId="urn:microsoft.com/office/officeart/2005/8/layout/vList2"/>
   </dgm:cxnLst>
@@ -5176,8 +5219,8 @@
   <dgm:cxnLst>
     <dgm:cxn modelId="{3AB155C1-F794-4E55-A5AD-5EEFE2591FF6}" type="presOf" srcId="{F8F0039E-4155-45EB-9C76-FA1E44D3CEEF}" destId="{1BAB1C0B-0435-426A-B98B-9D889EB65A3C}" srcOrd="0" destOrd="0" presId="urn:microsoft.com/office/officeart/2005/8/layout/vList2"/>
     <dgm:cxn modelId="{A3CEB209-734C-4A6E-A4C3-62F8F2BBF5D4}" srcId="{F8F0039E-4155-45EB-9C76-FA1E44D3CEEF}" destId="{E5E40DB8-7C8C-44F6-A8DB-66C7D8AD6DEF}" srcOrd="0" destOrd="0" parTransId="{1EA4C851-5B23-4E76-96F1-EF601CC916A2}" sibTransId="{B04E5AEE-06B2-4939-A3CC-F60EF9CA9620}"/>
+    <dgm:cxn modelId="{42C1B723-1180-4A88-A8D7-6D712FE59319}" type="presOf" srcId="{6F284B52-23EA-4B66-9461-B4ACDA8DF2A9}" destId="{2B065292-3E2F-42E7-83BF-ED642329E665}" srcOrd="0" destOrd="1" presId="urn:microsoft.com/office/officeart/2005/8/layout/vList2"/>
     <dgm:cxn modelId="{187CF8C1-DE27-4590-B401-24B6701589A4}" srcId="{F8F0039E-4155-45EB-9C76-FA1E44D3CEEF}" destId="{6F284B52-23EA-4B66-9461-B4ACDA8DF2A9}" srcOrd="1" destOrd="0" parTransId="{D1699E2C-0ACE-4C29-A765-E33F5909790A}" sibTransId="{242DBF87-3AC1-4601-805D-8486F745E5D2}"/>
-    <dgm:cxn modelId="{42C1B723-1180-4A88-A8D7-6D712FE59319}" type="presOf" srcId="{6F284B52-23EA-4B66-9461-B4ACDA8DF2A9}" destId="{2B065292-3E2F-42E7-83BF-ED642329E665}" srcOrd="0" destOrd="1" presId="urn:microsoft.com/office/officeart/2005/8/layout/vList2"/>
     <dgm:cxn modelId="{58958B13-B94C-4D1D-8619-CAD8BD8FFF82}" type="presOf" srcId="{19291C41-7676-4935-9C7F-CB02D2FEEAC9}" destId="{627645C5-E4F6-4F98-9A8A-7F0E1786C4C4}" srcOrd="0" destOrd="0" presId="urn:microsoft.com/office/officeart/2005/8/layout/vList2"/>
     <dgm:cxn modelId="{6CFBBA4F-AEF0-4D12-AFAC-F2F74FCBFEE5}" type="presOf" srcId="{E5E40DB8-7C8C-44F6-A8DB-66C7D8AD6DEF}" destId="{2B065292-3E2F-42E7-83BF-ED642329E665}" srcOrd="0" destOrd="0" presId="urn:microsoft.com/office/officeart/2005/8/layout/vList2"/>
     <dgm:cxn modelId="{709FF1FA-FE74-4942-8A06-3E3CB0834398}" srcId="{19291C41-7676-4935-9C7F-CB02D2FEEAC9}" destId="{F8F0039E-4155-45EB-9C76-FA1E44D3CEEF}" srcOrd="0" destOrd="0" parTransId="{1BD4091A-19B4-48F4-9E99-22F414D99B87}" sibTransId="{738A8925-DCB4-406E-8600-2799EDDF188C}"/>
@@ -5568,8 +5611,8 @@
       </dsp:nvSpPr>
       <dsp:spPr>
         <a:xfrm>
-          <a:off x="0" y="31288"/>
-          <a:ext cx="9144000" cy="1368900"/>
+          <a:off x="0" y="206"/>
+          <a:ext cx="9144000" cy="1308059"/>
         </a:xfrm>
         <a:prstGeom prst="roundRect">
           <a:avLst/>
@@ -5611,12 +5654,12 @@
         </a:fontRef>
       </dsp:style>
       <dsp:txBody>
-        <a:bodyPr spcFirstLastPara="0" vert="horz" wrap="square" lIns="171450" tIns="171450" rIns="171450" bIns="171450" numCol="1" spcCol="1270" anchor="ctr" anchorCtr="0">
+        <a:bodyPr spcFirstLastPara="0" vert="horz" wrap="square" lIns="163830" tIns="163830" rIns="163830" bIns="163830" numCol="1" spcCol="1270" anchor="ctr" anchorCtr="0">
           <a:noAutofit/>
         </a:bodyPr>
         <a:lstStyle/>
         <a:p>
-          <a:pPr lvl="0" algn="l" defTabSz="2000250" latinLnBrk="1">
+          <a:pPr lvl="0" algn="l" defTabSz="1911350" latinLnBrk="1">
             <a:lnSpc>
               <a:spcPct val="90000"/>
             </a:lnSpc>
@@ -5628,15 +5671,15 @@
             </a:spcAft>
           </a:pPr>
           <a:r>
-            <a:rPr lang="ko-KR" altLang="en-US" sz="4500" kern="1200" dirty="0" smtClean="0"/>
+            <a:rPr lang="ko-KR" altLang="en-US" sz="4300" kern="1200" dirty="0" smtClean="0"/>
             <a:t>딥 러닝</a:t>
           </a:r>
-          <a:endParaRPr lang="ko-KR" altLang="en-US" sz="4500" kern="1200" dirty="0"/>
+          <a:endParaRPr lang="ko-KR" altLang="en-US" sz="4300" kern="1200" dirty="0"/>
         </a:p>
       </dsp:txBody>
       <dsp:txXfrm>
-        <a:off x="66824" y="98112"/>
-        <a:ext cx="9010352" cy="1235252"/>
+        <a:off x="63854" y="64060"/>
+        <a:ext cx="9016292" cy="1180351"/>
       </dsp:txXfrm>
     </dsp:sp>
     <dsp:sp modelId="{15E8AA84-AC57-40CA-AE62-16742C61020F}">
@@ -5646,8 +5689,8 @@
       </dsp:nvSpPr>
       <dsp:spPr>
         <a:xfrm>
-          <a:off x="0" y="1400188"/>
-          <a:ext cx="9144000" cy="1676699"/>
+          <a:off x="0" y="1308266"/>
+          <a:ext cx="9144000" cy="2447774"/>
         </a:xfrm>
         <a:prstGeom prst="rect">
           <a:avLst/>
@@ -5671,12 +5714,12 @@
         <a:fontRef idx="minor"/>
       </dsp:style>
       <dsp:txBody>
-        <a:bodyPr spcFirstLastPara="0" vert="horz" wrap="square" lIns="290322" tIns="57150" rIns="320040" bIns="57150" numCol="1" spcCol="1270" anchor="t" anchorCtr="0">
+        <a:bodyPr spcFirstLastPara="0" vert="horz" wrap="square" lIns="290322" tIns="54610" rIns="305816" bIns="54610" numCol="1" spcCol="1270" anchor="t" anchorCtr="0">
           <a:noAutofit/>
         </a:bodyPr>
         <a:lstStyle/>
         <a:p>
-          <a:pPr marL="285750" lvl="1" indent="-285750" algn="l" defTabSz="1555750" latinLnBrk="1">
+          <a:pPr marL="285750" lvl="1" indent="-285750" algn="l" defTabSz="1511300" latinLnBrk="1">
             <a:lnSpc>
               <a:spcPct val="90000"/>
             </a:lnSpc>
@@ -5689,13 +5732,13 @@
             <a:buChar char="••"/>
           </a:pPr>
           <a:r>
-            <a:rPr lang="ko-KR" altLang="en-US" sz="3500" kern="1200" dirty="0" smtClean="0"/>
+            <a:rPr lang="ko-KR" altLang="en-US" sz="3400" kern="1200" dirty="0" smtClean="0"/>
             <a:t>모델 설계 및 학습 정확도 평가</a:t>
           </a:r>
-          <a:endParaRPr lang="ko-KR" altLang="en-US" sz="3500" kern="1200" dirty="0"/>
+          <a:endParaRPr lang="ko-KR" altLang="en-US" sz="3400" kern="1200" dirty="0"/>
         </a:p>
         <a:p>
-          <a:pPr marL="285750" lvl="1" indent="-285750" algn="l" defTabSz="1555750" latinLnBrk="1">
+          <a:pPr marL="285750" lvl="1" indent="-285750" algn="l" defTabSz="1511300" latinLnBrk="1">
             <a:lnSpc>
               <a:spcPct val="90000"/>
             </a:lnSpc>
@@ -5708,15 +5751,34 @@
             <a:buChar char="••"/>
           </a:pPr>
           <a:r>
-            <a:rPr lang="ko-KR" altLang="en-US" sz="3500" kern="1200" dirty="0" smtClean="0"/>
+            <a:rPr lang="ko-KR" altLang="en-US" sz="3400" kern="1200" dirty="0" smtClean="0"/>
             <a:t>모델 구성 분석</a:t>
           </a:r>
-          <a:endParaRPr lang="ko-KR" altLang="en-US" sz="3500" kern="1200" dirty="0"/>
+          <a:endParaRPr lang="ko-KR" altLang="en-US" sz="3400" kern="1200" dirty="0"/>
+        </a:p>
+        <a:p>
+          <a:pPr marL="285750" lvl="1" indent="-285750" algn="l" defTabSz="1511300" latinLnBrk="1">
+            <a:lnSpc>
+              <a:spcPct val="90000"/>
+            </a:lnSpc>
+            <a:spcBef>
+              <a:spcPct val="0"/>
+            </a:spcBef>
+            <a:spcAft>
+              <a:spcPct val="20000"/>
+            </a:spcAft>
+            <a:buChar char="••"/>
+          </a:pPr>
+          <a:r>
+            <a:rPr lang="ko-KR" altLang="en-US" sz="3400" kern="1200" dirty="0" smtClean="0"/>
+            <a:t>학습 실패한 데이터 분석</a:t>
+          </a:r>
+          <a:endParaRPr lang="ko-KR" altLang="en-US" sz="3400" kern="1200" dirty="0"/>
         </a:p>
       </dsp:txBody>
       <dsp:txXfrm>
-        <a:off x="0" y="1400188"/>
-        <a:ext cx="9144000" cy="1676699"/>
+        <a:off x="0" y="1308266"/>
+        <a:ext cx="9144000" cy="2447774"/>
       </dsp:txXfrm>
     </dsp:sp>
   </dsp:spTree>
@@ -10799,7 +10861,7 @@
                 <a:latin typeface="맑은 고딕" panose="020B0503020000020004" pitchFamily="50" charset="-127"/>
                 <a:ea typeface="맑은 고딕" panose="020B0503020000020004" pitchFamily="50" charset="-127"/>
               </a:rPr>
-              <a:t>2024-03-14</a:t>
+              <a:t>2024-03-15</a:t>
             </a:fld>
             <a:endParaRPr lang="ko-KR" altLang="en-US">
               <a:latin typeface="맑은 고딕" panose="020B0503020000020004" pitchFamily="50" charset="-127"/>
@@ -10985,7 +11047,7 @@
           <a:p>
             <a:fld id="{A6603DC1-1EAB-40C2-BD43-C56BDD106B2D}" type="datetime1">
               <a:rPr lang="ko-KR" altLang="en-US" noProof="0" smtClean="0"/>
-              <a:t>2024-03-14</a:t>
+              <a:t>2024-03-15</a:t>
             </a:fld>
             <a:endParaRPr lang="ko-KR" altLang="en-US" noProof="0"/>
           </a:p>
@@ -11343,6 +11405,92 @@
     <p:extLst>
       <p:ext uri="{BB962C8B-B14F-4D97-AF65-F5344CB8AC3E}">
         <p14:creationId xmlns:p14="http://schemas.microsoft.com/office/powerpoint/2010/main" val="4085276277"/>
+      </p:ext>
+    </p:extLst>
+  </p:cSld>
+  <p:clrMapOvr>
+    <a:masterClrMapping/>
+  </p:clrMapOvr>
+</p:notes>
+</file>
+
+<file path=ppt/notesSlides/notesSlide10.xml><?xml version="1.0" encoding="utf-8"?>
+<p:notes xmlns:a="http://schemas.openxmlformats.org/drawingml/2006/main" xmlns:r="http://schemas.openxmlformats.org/officeDocument/2006/relationships" xmlns:p="http://schemas.openxmlformats.org/presentationml/2006/main">
+  <p:cSld>
+    <p:spTree>
+      <p:nvGrpSpPr>
+        <p:cNvPr id="1" name=""/>
+        <p:cNvGrpSpPr/>
+        <p:nvPr/>
+      </p:nvGrpSpPr>
+      <p:grpSpPr>
+        <a:xfrm>
+          <a:off x="0" y="0"/>
+          <a:ext cx="0" cy="0"/>
+          <a:chOff x="0" y="0"/>
+          <a:chExt cx="0" cy="0"/>
+        </a:xfrm>
+      </p:grpSpPr>
+      <p:sp>
+        <p:nvSpPr>
+          <p:cNvPr id="2" name="슬라이드 이미지 개체 틀 1"/>
+          <p:cNvSpPr>
+            <a:spLocks noGrp="1" noRot="1" noChangeAspect="1"/>
+          </p:cNvSpPr>
+          <p:nvPr>
+            <p:ph type="sldImg"/>
+          </p:nvPr>
+        </p:nvSpPr>
+        <p:spPr/>
+      </p:sp>
+      <p:sp>
+        <p:nvSpPr>
+          <p:cNvPr id="3" name="슬라이드 노트 개체 틀 2"/>
+          <p:cNvSpPr>
+            <a:spLocks noGrp="1"/>
+          </p:cNvSpPr>
+          <p:nvPr>
+            <p:ph type="body" idx="1"/>
+          </p:nvPr>
+        </p:nvSpPr>
+        <p:spPr/>
+        <p:txBody>
+          <a:bodyPr rtlCol="0"/>
+          <a:lstStyle/>
+          <a:p>
+            <a:pPr rtl="0"/>
+            <a:endParaRPr lang="ko-KR" altLang="en-US"/>
+          </a:p>
+        </p:txBody>
+      </p:sp>
+      <p:sp>
+        <p:nvSpPr>
+          <p:cNvPr id="4" name="슬라이드 번호 개체 틀 3"/>
+          <p:cNvSpPr>
+            <a:spLocks noGrp="1"/>
+          </p:cNvSpPr>
+          <p:nvPr>
+            <p:ph type="sldNum" sz="quarter" idx="10"/>
+          </p:nvPr>
+        </p:nvSpPr>
+        <p:spPr/>
+        <p:txBody>
+          <a:bodyPr rtlCol="0"/>
+          <a:lstStyle/>
+          <a:p>
+            <a:pPr rtl="0"/>
+            <a:fld id="{BF105DB2-FD3E-441D-8B7E-7AE83ECE27B3}" type="slidenum">
+              <a:rPr lang="en-US" altLang="ko-KR" smtClean="0"/>
+              <a:t>14</a:t>
+            </a:fld>
+            <a:endParaRPr lang="ko-KR" altLang="en-US"/>
+          </a:p>
+        </p:txBody>
+      </p:sp>
+    </p:spTree>
+    <p:extLst>
+      <p:ext uri="{BB962C8B-B14F-4D97-AF65-F5344CB8AC3E}">
+        <p14:creationId xmlns:p14="http://schemas.microsoft.com/office/powerpoint/2010/main" val="46762949"/>
       </p:ext>
     </p:extLst>
   </p:cSld>
@@ -12659,7 +12807,7 @@
           <a:p>
             <a:fld id="{78F87D46-25E5-49AB-BA4B-46681A2FB7DE}" type="datetime1">
               <a:rPr lang="ko-KR" altLang="en-US" noProof="0" smtClean="0"/>
-              <a:t>2024-03-14</a:t>
+              <a:t>2024-03-15</a:t>
             </a:fld>
             <a:endParaRPr lang="ko-KR" altLang="en-US" noProof="0"/>
           </a:p>
@@ -12920,7 +13068,7 @@
           <a:p>
             <a:fld id="{76E4AA80-5FFB-4E83-9A37-D2D4DB167DA1}" type="datetime1">
               <a:rPr lang="ko-KR" altLang="en-US" noProof="0" smtClean="0"/>
-              <a:t>2024-03-14</a:t>
+              <a:t>2024-03-15</a:t>
             </a:fld>
             <a:endParaRPr lang="ko-KR" altLang="en-US" noProof="0"/>
           </a:p>
@@ -13191,7 +13339,7 @@
           <a:p>
             <a:fld id="{5FC15EA2-D3B4-4642-9A27-C3B0937B11C6}" type="datetime1">
               <a:rPr lang="ko-KR" altLang="en-US" noProof="0" smtClean="0"/>
-              <a:t>2024-03-14</a:t>
+              <a:t>2024-03-15</a:t>
             </a:fld>
             <a:endParaRPr lang="ko-KR" altLang="en-US" noProof="0"/>
           </a:p>
@@ -13442,7 +13590,7 @@
           <a:p>
             <a:fld id="{74A3C87F-1763-4789-91C7-4DB702EE398E}" type="datetime1">
               <a:rPr lang="ko-KR" altLang="en-US" noProof="0" smtClean="0"/>
-              <a:t>2024-03-14</a:t>
+              <a:t>2024-03-15</a:t>
             </a:fld>
             <a:endParaRPr lang="ko-KR" altLang="en-US" noProof="0"/>
           </a:p>
@@ -13693,7 +13841,7 @@
           <a:p>
             <a:fld id="{17A65C81-F84C-4108-BEF5-EB67D833E3A9}" type="datetime1">
               <a:rPr lang="ko-KR" altLang="en-US" noProof="0" smtClean="0"/>
-              <a:t>2024-03-14</a:t>
+              <a:t>2024-03-15</a:t>
             </a:fld>
             <a:endParaRPr lang="ko-KR" altLang="en-US" noProof="0"/>
           </a:p>
@@ -13997,7 +14145,7 @@
           <a:p>
             <a:fld id="{96AAAE59-1BDB-4BC7-8C12-23A0CFD562CB}" type="datetime1">
               <a:rPr lang="ko-KR" altLang="en-US" noProof="0" smtClean="0"/>
-              <a:t>2024-03-14</a:t>
+              <a:t>2024-03-15</a:t>
             </a:fld>
             <a:endParaRPr lang="ko-KR" altLang="en-US" noProof="0"/>
           </a:p>
@@ -14373,7 +14521,7 @@
           <a:p>
             <a:fld id="{A35158F4-73C5-45AD-B423-124C9C54F68F}" type="datetime1">
               <a:rPr lang="ko-KR" altLang="en-US" noProof="0" smtClean="0"/>
-              <a:t>2024-03-14</a:t>
+              <a:t>2024-03-15</a:t>
             </a:fld>
             <a:endParaRPr lang="ko-KR" altLang="en-US" noProof="0"/>
           </a:p>
@@ -14900,7 +15048,7 @@
           <a:p>
             <a:fld id="{A1D49FB9-1D28-41DA-B40D-C9547997CBDC}" type="datetime1">
               <a:rPr lang="ko-KR" altLang="en-US" noProof="0" smtClean="0"/>
-              <a:t>2024-03-14</a:t>
+              <a:t>2024-03-15</a:t>
             </a:fld>
             <a:endParaRPr lang="ko-KR" altLang="en-US" noProof="0"/>
           </a:p>
@@ -15063,7 +15211,7 @@
           <a:p>
             <a:fld id="{CE8204A8-394E-4932-B2B5-BF23D5A6E106}" type="datetime1">
               <a:rPr lang="ko-KR" altLang="en-US" noProof="0" smtClean="0"/>
-              <a:t>2024-03-14</a:t>
+              <a:t>2024-03-15</a:t>
             </a:fld>
             <a:endParaRPr lang="ko-KR" altLang="en-US" noProof="0"/>
           </a:p>
@@ -15354,7 +15502,7 @@
           <a:p>
             <a:fld id="{FC3F8FFB-E840-443D-94D7-270101C73401}" type="datetime1">
               <a:rPr lang="ko-KR" altLang="en-US" noProof="0" smtClean="0"/>
-              <a:t>2024-03-14</a:t>
+              <a:t>2024-03-15</a:t>
             </a:fld>
             <a:endParaRPr lang="ko-KR" altLang="en-US" noProof="0"/>
           </a:p>
@@ -15758,7 +15906,7 @@
           <a:p>
             <a:fld id="{AE229CAE-447B-48A0-89A3-673B2195BCE4}" type="datetime1">
               <a:rPr lang="ko-KR" altLang="en-US" noProof="0" smtClean="0"/>
-              <a:t>2024-03-14</a:t>
+              <a:t>2024-03-15</a:t>
             </a:fld>
             <a:endParaRPr lang="ko-KR" altLang="en-US" noProof="0"/>
           </a:p>
@@ -16140,7 +16288,7 @@
           <a:p>
             <a:fld id="{76FC5E80-A003-4FC9-8085-493D7FD69E39}" type="datetime1">
               <a:rPr lang="ko-KR" altLang="en-US" noProof="0" smtClean="0"/>
-              <a:t>2024-03-14</a:t>
+              <a:t>2024-03-15</a:t>
             </a:fld>
             <a:endParaRPr lang="ko-KR" altLang="en-US" noProof="0"/>
           </a:p>
@@ -16718,7 +16866,7 @@
           <a:p>
             <a:fld id="{F72FC373-2328-4228-A51A-0917F7F94F08}" type="datetime1">
               <a:rPr lang="ko-KR" altLang="en-US" noProof="0" smtClean="0"/>
-              <a:t>2024-03-14</a:t>
+              <a:t>2024-03-15</a:t>
             </a:fld>
             <a:endParaRPr lang="ko-KR" altLang="en-US" noProof="0"/>
           </a:p>
@@ -17266,14 +17414,14 @@
             <p:ph idx="1"/>
             <p:extLst>
               <p:ext uri="{D42A27DB-BD31-4B8C-83A1-F6EECF244321}">
-                <p14:modId xmlns:p14="http://schemas.microsoft.com/office/powerpoint/2010/main" val="4121499822"/>
+                <p14:modId xmlns:p14="http://schemas.microsoft.com/office/powerpoint/2010/main" val="834468436"/>
               </p:ext>
             </p:extLst>
           </p:nvPr>
         </p:nvGraphicFramePr>
         <p:xfrm>
           <a:off x="1522413" y="1905000"/>
-          <a:ext cx="9144000" cy="3108176"/>
+          <a:ext cx="9144000" cy="3756248"/>
         </p:xfrm>
         <a:graphic>
           <a:graphicData uri="http://schemas.openxmlformats.org/drawingml/2006/diagram">
@@ -17948,6 +18096,164 @@
           <a:chExt cx="0" cy="0"/>
         </a:xfrm>
       </p:grpSpPr>
+      <p:sp>
+        <p:nvSpPr>
+          <p:cNvPr id="3" name="제목 2"/>
+          <p:cNvSpPr>
+            <a:spLocks noGrp="1"/>
+          </p:cNvSpPr>
+          <p:nvPr>
+            <p:ph type="title"/>
+          </p:nvPr>
+        </p:nvSpPr>
+        <p:spPr>
+          <a:xfrm>
+            <a:off x="1522876" y="609600"/>
+            <a:ext cx="9143538" cy="587152"/>
+          </a:xfrm>
+        </p:spPr>
+        <p:txBody>
+          <a:bodyPr rtlCol="0"/>
+          <a:lstStyle/>
+          <a:p>
+            <a:pPr rtl="0"/>
+            <a:r>
+              <a:rPr lang="ko-KR" altLang="en-US" dirty="0" smtClean="0"/>
+              <a:t>학습 실패한 데이터 분석</a:t>
+            </a:r>
+            <a:endParaRPr lang="ko-KR" altLang="en-US" dirty="0"/>
+          </a:p>
+        </p:txBody>
+      </p:sp>
+      <p:sp>
+        <p:nvSpPr>
+          <p:cNvPr id="2" name="내용 개체 틀 1"/>
+          <p:cNvSpPr>
+            <a:spLocks noGrp="1"/>
+          </p:cNvSpPr>
+          <p:nvPr>
+            <p:ph idx="1"/>
+          </p:nvPr>
+        </p:nvSpPr>
+        <p:spPr>
+          <a:xfrm>
+            <a:off x="7174532" y="1442167"/>
+            <a:ext cx="4275372" cy="4189689"/>
+          </a:xfrm>
+        </p:spPr>
+        <p:txBody>
+          <a:bodyPr rtlCol="0" anchor="ctr">
+            <a:normAutofit/>
+          </a:bodyPr>
+          <a:lstStyle/>
+          <a:p>
+            <a:pPr rtl="0"/>
+            <a:r>
+              <a:rPr lang="ko-KR" altLang="en-US" sz="2000" dirty="0" smtClean="0"/>
+              <a:t>학습 실패한 데이터 중 </a:t>
+            </a:r>
+            <a:r>
+              <a:rPr lang="ko-KR" altLang="en-US" sz="2000" dirty="0" err="1" smtClean="0"/>
+              <a:t>랜덤하게</a:t>
+            </a:r>
+            <a:r>
+              <a:rPr lang="ko-KR" altLang="en-US" sz="2000" dirty="0" smtClean="0"/>
+              <a:t> </a:t>
+            </a:r>
+            <a:r>
+              <a:rPr lang="en-US" altLang="ko-KR" sz="2000" dirty="0" smtClean="0"/>
+              <a:t>16</a:t>
+            </a:r>
+            <a:r>
+              <a:rPr lang="ko-KR" altLang="en-US" sz="2000" dirty="0" smtClean="0"/>
+              <a:t>개를 뽑아 확인</a:t>
+            </a:r>
+            <a:endParaRPr lang="en-US" altLang="ko-KR" sz="2000" dirty="0" smtClean="0"/>
+          </a:p>
+          <a:p>
+            <a:pPr rtl="0"/>
+            <a:r>
+              <a:rPr lang="ko-KR" altLang="en-US" sz="2000" dirty="0" smtClean="0"/>
+              <a:t>사람의 눈으로도 제대로 인식하기 어려운 데이터도 보임</a:t>
+            </a:r>
+            <a:endParaRPr lang="en-US" altLang="ko-KR" sz="2000" dirty="0" smtClean="0"/>
+          </a:p>
+          <a:p>
+            <a:pPr rtl="0"/>
+            <a:r>
+              <a:rPr lang="ko-KR" altLang="en-US" sz="2000" smtClean="0"/>
+              <a:t>전혀 상관이 없어 보이는 예측도 존재함</a:t>
+            </a:r>
+            <a:endParaRPr lang="en-US" altLang="ko-KR" sz="2000" dirty="0" smtClean="0"/>
+          </a:p>
+        </p:txBody>
+      </p:sp>
+      <p:pic>
+        <p:nvPicPr>
+          <p:cNvPr id="6" name="그림 5"/>
+          <p:cNvPicPr>
+            <a:picLocks noChangeAspect="1"/>
+          </p:cNvPicPr>
+          <p:nvPr/>
+        </p:nvPicPr>
+        <p:blipFill>
+          <a:blip r:embed="rId3"/>
+          <a:stretch>
+            <a:fillRect/>
+          </a:stretch>
+        </p:blipFill>
+        <p:spPr>
+          <a:xfrm>
+            <a:off x="261764" y="1200540"/>
+            <a:ext cx="6768752" cy="5033386"/>
+          </a:xfrm>
+          <a:prstGeom prst="rect">
+            <a:avLst/>
+          </a:prstGeom>
+        </p:spPr>
+      </p:pic>
+    </p:spTree>
+    <p:extLst>
+      <p:ext uri="{BB962C8B-B14F-4D97-AF65-F5344CB8AC3E}">
+        <p14:creationId xmlns:p14="http://schemas.microsoft.com/office/powerpoint/2010/main" val="3769838517"/>
+      </p:ext>
+    </p:extLst>
+  </p:cSld>
+  <p:clrMapOvr>
+    <a:masterClrMapping/>
+  </p:clrMapOvr>
+  <mc:AlternateContent xmlns:mc="http://schemas.openxmlformats.org/markup-compatibility/2006" xmlns:p14="http://schemas.microsoft.com/office/powerpoint/2010/main">
+    <mc:Choice Requires="p14">
+      <p:transition spd="med" p14:dur="700">
+        <p:fade/>
+      </p:transition>
+    </mc:Choice>
+    <mc:Fallback xmlns="">
+      <p:transition spd="med">
+        <p:fade/>
+      </p:transition>
+    </mc:Fallback>
+  </mc:AlternateContent>
+</p:sld>
+</file>
+
+<file path=ppt/slides/slide15.xml><?xml version="1.0" encoding="utf-8"?>
+<p:sld xmlns:a="http://schemas.openxmlformats.org/drawingml/2006/main" xmlns:r="http://schemas.openxmlformats.org/officeDocument/2006/relationships" xmlns:p="http://schemas.openxmlformats.org/presentationml/2006/main">
+  <p:cSld>
+    <p:spTree>
+      <p:nvGrpSpPr>
+        <p:cNvPr id="1" name=""/>
+        <p:cNvGrpSpPr/>
+        <p:nvPr/>
+      </p:nvGrpSpPr>
+      <p:grpSpPr>
+        <a:xfrm>
+          <a:off x="0" y="0"/>
+          <a:ext cx="0" cy="0"/>
+          <a:chOff x="0" y="0"/>
+          <a:chExt cx="0" cy="0"/>
+        </a:xfrm>
+      </p:grpSpPr>
       <p:graphicFrame>
         <p:nvGraphicFramePr>
           <p:cNvPr id="14" name="내용 개체 틀 13"/>
@@ -17998,7 +18304,7 @@
 </p:sld>
 </file>
 
-<file path=ppt/slides/slide15.xml><?xml version="1.0" encoding="utf-8"?>
+<file path=ppt/slides/slide16.xml><?xml version="1.0" encoding="utf-8"?>
 <p:sld xmlns:a="http://schemas.openxmlformats.org/drawingml/2006/main" xmlns:r="http://schemas.openxmlformats.org/officeDocument/2006/relationships" xmlns:p="http://schemas.openxmlformats.org/presentationml/2006/main">
   <p:cSld>
     <p:spTree>
@@ -18154,7 +18460,7 @@
 </p:sld>
 </file>
 
-<file path=ppt/slides/slide16.xml><?xml version="1.0" encoding="utf-8"?>
+<file path=ppt/slides/slide17.xml><?xml version="1.0" encoding="utf-8"?>
 <p:sld xmlns:a="http://schemas.openxmlformats.org/drawingml/2006/main" xmlns:r="http://schemas.openxmlformats.org/officeDocument/2006/relationships" xmlns:p="http://schemas.openxmlformats.org/presentationml/2006/main">
   <p:cSld>
     <p:spTree>
@@ -18524,7 +18830,7 @@
 </p:sld>
 </file>
 
-<file path=ppt/slides/slide17.xml><?xml version="1.0" encoding="utf-8"?>
+<file path=ppt/slides/slide18.xml><?xml version="1.0" encoding="utf-8"?>
 <p:sld xmlns:a="http://schemas.openxmlformats.org/drawingml/2006/main" xmlns:r="http://schemas.openxmlformats.org/officeDocument/2006/relationships" xmlns:p="http://schemas.openxmlformats.org/presentationml/2006/main">
   <p:cSld>
     <p:spTree>
@@ -19032,7 +19338,7 @@
 </p:sld>
 </file>
 
-<file path=ppt/slides/slide18.xml><?xml version="1.0" encoding="utf-8"?>
+<file path=ppt/slides/slide19.xml><?xml version="1.0" encoding="utf-8"?>
 <p:sld xmlns:a="http://schemas.openxmlformats.org/drawingml/2006/main" xmlns:r="http://schemas.openxmlformats.org/officeDocument/2006/relationships" xmlns:p="http://schemas.openxmlformats.org/presentationml/2006/main">
   <p:cSld>
     <p:spTree>
@@ -19653,13 +19959,7 @@
               <a:rPr lang="en-US" altLang="ko-KR" sz="1600" dirty="0" smtClean="0">
                 <a:hlinkClick r:id="rId3"/>
               </a:rPr>
-              <a:t>github.com/Jeong-Seongwon</a:t>
-            </a:r>
-            <a:r>
-              <a:rPr lang="en-US" altLang="ko-KR" sz="1600" dirty="0" smtClean="0">
-                <a:hlinkClick r:id="rId3"/>
-              </a:rPr>
-              <a:t>/portfolio/tree/main/mnist</a:t>
+              <a:t>github.com/Jeong-Seongwon/portfolio/tree/main/mnist</a:t>
             </a:r>
             <a:endParaRPr lang="en-US" altLang="ko-KR" sz="1600" dirty="0"/>
           </a:p>
